--- a/docs/23_웹UI기획서/보고서 시각지표 기획.pptx
+++ b/docs/23_웹UI기획서/보고서 시각지표 기획.pptx
@@ -6,7 +6,7 @@
   </p:sldMasterIdLst>
   <p:sldIdLst>
     <p:sldId id="260" r:id="rId2"/>
-    <p:sldId id="267" r:id="rId3"/>
+    <p:sldId id="275" r:id="rId3"/>
     <p:sldId id="265" r:id="rId4"/>
     <p:sldId id="270" r:id="rId5"/>
     <p:sldId id="268" r:id="rId6"/>
@@ -15,6 +15,9 @@
     <p:sldId id="269" r:id="rId9"/>
     <p:sldId id="263" r:id="rId10"/>
     <p:sldId id="262" r:id="rId11"/>
+    <p:sldId id="274" r:id="rId12"/>
+    <p:sldId id="276" r:id="rId13"/>
+    <p:sldId id="273" r:id="rId14"/>
   </p:sldIdLst>
   <p:sldSz cx="12192000" cy="6858000"/>
   <p:notesSz cx="6858000" cy="9144000"/>
@@ -4823,11 +4826,7 @@
             </a:r>
             <a:r>
               <a:rPr lang="ko-KR" altLang="en-US" dirty="0" smtClean="0"/>
-              <a:t> </a:t>
-            </a:r>
-            <a:r>
-              <a:rPr lang="ko-KR" altLang="en-US" dirty="0" smtClean="0"/>
-              <a:t>공개 보고서 </a:t>
+              <a:t> 공개 보고서 </a:t>
             </a:r>
             <a:r>
               <a:rPr lang="en-US" altLang="ko-KR" dirty="0" smtClean="0"/>
@@ -4993,6 +4992,871 @@
     <p:extLst>
       <p:ext uri="{BB962C8B-B14F-4D97-AF65-F5344CB8AC3E}">
         <p14:creationId xmlns:p14="http://schemas.microsoft.com/office/powerpoint/2010/main" val="2472748510"/>
+      </p:ext>
+    </p:extLst>
+  </p:cSld>
+  <p:clrMapOvr>
+    <a:masterClrMapping/>
+  </p:clrMapOvr>
+</p:sld>
+</file>
+
+<file path=ppt/slides/slide11.xml><?xml version="1.0" encoding="utf-8"?>
+<p:sld xmlns:a="http://schemas.openxmlformats.org/drawingml/2006/main" xmlns:r="http://schemas.openxmlformats.org/officeDocument/2006/relationships" xmlns:p="http://schemas.openxmlformats.org/presentationml/2006/main">
+  <p:cSld>
+    <p:spTree>
+      <p:nvGrpSpPr>
+        <p:cNvPr id="1" name=""/>
+        <p:cNvGrpSpPr/>
+        <p:nvPr/>
+      </p:nvGrpSpPr>
+      <p:grpSpPr>
+        <a:xfrm>
+          <a:off x="0" y="0"/>
+          <a:ext cx="0" cy="0"/>
+          <a:chOff x="0" y="0"/>
+          <a:chExt cx="0" cy="0"/>
+        </a:xfrm>
+      </p:grpSpPr>
+      <p:graphicFrame>
+        <p:nvGraphicFramePr>
+          <p:cNvPr id="4" name="내용 개체 틀 3"/>
+          <p:cNvGraphicFramePr>
+            <a:graphicFrameLocks noGrp="1"/>
+          </p:cNvGraphicFramePr>
+          <p:nvPr>
+            <p:ph idx="1"/>
+            <p:extLst>
+              <p:ext uri="{D42A27DB-BD31-4B8C-83A1-F6EECF244321}">
+                <p14:modId xmlns:p14="http://schemas.microsoft.com/office/powerpoint/2010/main" val="707084165"/>
+              </p:ext>
+            </p:extLst>
+          </p:nvPr>
+        </p:nvGraphicFramePr>
+        <p:xfrm>
+          <a:off x="0" y="0"/>
+          <a:ext cx="12192000" cy="6858000"/>
+        </p:xfrm>
+        <a:graphic>
+          <a:graphicData uri="http://schemas.openxmlformats.org/drawingml/2006/table">
+            <a:tbl>
+              <a:tblPr firstRow="1" bandRow="1">
+                <a:tableStyleId>{5C22544A-7EE6-4342-B048-85BDC9FD1C3A}</a:tableStyleId>
+              </a:tblPr>
+              <a:tblGrid>
+                <a:gridCol w="9489688">
+                  <a:extLst>
+                    <a:ext uri="{9D8B030D-6E8A-4147-A177-3AD203B41FA5}">
+                      <a16:colId xmlns:a16="http://schemas.microsoft.com/office/drawing/2014/main" val="3534830253"/>
+                    </a:ext>
+                  </a:extLst>
+                </a:gridCol>
+                <a:gridCol w="2702312">
+                  <a:extLst>
+                    <a:ext uri="{9D8B030D-6E8A-4147-A177-3AD203B41FA5}">
+                      <a16:colId xmlns:a16="http://schemas.microsoft.com/office/drawing/2014/main" val="2519471014"/>
+                    </a:ext>
+                  </a:extLst>
+                </a:gridCol>
+              </a:tblGrid>
+              <a:tr h="399705">
+                <a:tc>
+                  <a:txBody>
+                    <a:bodyPr/>
+                    <a:lstStyle/>
+                    <a:p>
+                      <a:pPr algn="ctr" latinLnBrk="1"/>
+                      <a:r>
+                        <a:rPr lang="ko-KR" altLang="en-US" dirty="0" smtClean="0"/>
+                        <a:t>화면구성</a:t>
+                      </a:r>
+                      <a:endParaRPr lang="ko-KR" altLang="en-US" dirty="0"/>
+                    </a:p>
+                  </a:txBody>
+                  <a:tcPr/>
+                </a:tc>
+                <a:tc>
+                  <a:txBody>
+                    <a:bodyPr/>
+                    <a:lstStyle/>
+                    <a:p>
+                      <a:pPr algn="ctr" latinLnBrk="1"/>
+                      <a:r>
+                        <a:rPr lang="en-US" altLang="ko-KR" dirty="0" smtClean="0"/>
+                        <a:t>Description</a:t>
+                      </a:r>
+                      <a:endParaRPr lang="ko-KR" altLang="en-US" dirty="0"/>
+                    </a:p>
+                  </a:txBody>
+                  <a:tcPr/>
+                </a:tc>
+                <a:extLst>
+                  <a:ext uri="{0D108BD9-81ED-4DB2-BD59-A6C34878D82A}">
+                    <a16:rowId xmlns:a16="http://schemas.microsoft.com/office/drawing/2014/main" val="3463579183"/>
+                  </a:ext>
+                </a:extLst>
+              </a:tr>
+              <a:tr h="6458295">
+                <a:tc>
+                  <a:txBody>
+                    <a:bodyPr/>
+                    <a:lstStyle/>
+                    <a:p>
+                      <a:pPr latinLnBrk="1"/>
+                      <a:endParaRPr lang="en-US" altLang="ko-KR" dirty="0" smtClean="0"/>
+                    </a:p>
+                    <a:p>
+                      <a:pPr latinLnBrk="1"/>
+                      <a:endParaRPr lang="en-US" altLang="ko-KR" dirty="0" smtClean="0"/>
+                    </a:p>
+                    <a:p>
+                      <a:pPr latinLnBrk="1"/>
+                      <a:r>
+                        <a:rPr lang="ko-KR" altLang="en-US" dirty="0" smtClean="0"/>
+                        <a:t>     </a:t>
+                      </a:r>
+                      <a:endParaRPr lang="en-US" altLang="ko-KR" dirty="0" smtClean="0"/>
+                    </a:p>
+                    <a:p>
+                      <a:pPr latinLnBrk="1"/>
+                      <a:endParaRPr lang="ko-KR" altLang="en-US" dirty="0"/>
+                    </a:p>
+                  </a:txBody>
+                  <a:tcPr>
+                    <a:solidFill>
+                      <a:schemeClr val="bg1">
+                        <a:lumMod val="85000"/>
+                      </a:schemeClr>
+                    </a:solidFill>
+                  </a:tcPr>
+                </a:tc>
+                <a:tc>
+                  <a:txBody>
+                    <a:bodyPr/>
+                    <a:lstStyle/>
+                    <a:p>
+                      <a:pPr latinLnBrk="1"/>
+                      <a:r>
+                        <a:rPr lang="en-US" altLang="ko-KR" sz="1600" dirty="0" smtClean="0"/>
+                        <a:t>1</a:t>
+                      </a:r>
+                      <a:r>
+                        <a:rPr lang="en-US" altLang="ko-KR" sz="1600" dirty="0" smtClean="0"/>
+                        <a:t>.</a:t>
+                      </a:r>
+                      <a:r>
+                        <a:rPr lang="ko-KR" altLang="en-US" sz="1600" dirty="0" smtClean="0"/>
+                        <a:t>소셜블레이드 내 </a:t>
+                      </a:r>
+                      <a:r>
+                        <a:rPr lang="ko-KR" altLang="en-US" sz="1600" dirty="0" err="1" smtClean="0"/>
+                        <a:t>트위치</a:t>
+                      </a:r>
+                      <a:r>
+                        <a:rPr lang="ko-KR" altLang="en-US" sz="1600" dirty="0" smtClean="0"/>
+                        <a:t> 페이지</a:t>
+                      </a:r>
+                      <a:r>
+                        <a:rPr lang="en-US" altLang="ko-KR" sz="1600" dirty="0" smtClean="0"/>
+                        <a:t>. </a:t>
+                      </a:r>
+                      <a:endParaRPr lang="en-US" altLang="ko-KR" sz="1600" baseline="0" dirty="0" smtClean="0"/>
+                    </a:p>
+                    <a:p>
+                      <a:pPr marL="285750" indent="-285750" latinLnBrk="1">
+                        <a:buFontTx/>
+                        <a:buChar char="-"/>
+                      </a:pPr>
+                      <a:endParaRPr lang="en-US" altLang="ko-KR" sz="1600" dirty="0" smtClean="0"/>
+                    </a:p>
+                    <a:p>
+                      <a:pPr latinLnBrk="1"/>
+                      <a:r>
+                        <a:rPr lang="ko-KR" altLang="en-US" sz="1600" dirty="0" smtClean="0"/>
+                        <a:t>문제점</a:t>
+                      </a:r>
+                      <a:r>
+                        <a:rPr lang="en-US" altLang="ko-KR" sz="1600" baseline="0" dirty="0" smtClean="0"/>
+                        <a:t>1 : </a:t>
+                      </a:r>
+                      <a:r>
+                        <a:rPr lang="ko-KR" altLang="en-US" sz="1600" dirty="0" smtClean="0"/>
+                        <a:t>한글로 </a:t>
+                      </a:r>
+                      <a:r>
+                        <a:rPr lang="ko-KR" altLang="en-US" sz="1600" dirty="0" err="1" smtClean="0"/>
+                        <a:t>검색안됨</a:t>
+                      </a:r>
+                      <a:endParaRPr lang="en-US" altLang="ko-KR" sz="1600" dirty="0" smtClean="0"/>
+                    </a:p>
+                    <a:p>
+                      <a:pPr latinLnBrk="1"/>
+                      <a:endParaRPr lang="en-US" altLang="ko-KR" sz="1600" dirty="0" smtClean="0"/>
+                    </a:p>
+                    <a:p>
+                      <a:pPr latinLnBrk="1"/>
+                      <a:r>
+                        <a:rPr lang="ko-KR" altLang="en-US" sz="1600" dirty="0" smtClean="0"/>
+                        <a:t>문제점</a:t>
+                      </a:r>
+                      <a:r>
+                        <a:rPr lang="en-US" altLang="ko-KR" sz="1600" dirty="0" smtClean="0"/>
+                        <a:t>2 : </a:t>
+                      </a:r>
+                      <a:r>
+                        <a:rPr lang="ko-KR" altLang="en-US" sz="1600" dirty="0" smtClean="0"/>
+                        <a:t>별달리 </a:t>
+                      </a:r>
+                      <a:r>
+                        <a:rPr lang="ko-KR" altLang="en-US" sz="1600" dirty="0" err="1" smtClean="0"/>
+                        <a:t>정보가없음</a:t>
+                      </a:r>
+                      <a:r>
+                        <a:rPr lang="ko-KR" altLang="en-US" sz="1600" dirty="0" smtClean="0"/>
+                        <a:t> </a:t>
+                      </a:r>
+                      <a:r>
+                        <a:rPr lang="en-US" altLang="ko-KR" sz="1600" dirty="0" smtClean="0"/>
+                        <a:t>(1</a:t>
+                      </a:r>
+                      <a:r>
+                        <a:rPr lang="ko-KR" altLang="en-US" sz="1600" dirty="0" err="1" smtClean="0"/>
+                        <a:t>달기준</a:t>
+                      </a:r>
+                      <a:r>
+                        <a:rPr lang="ko-KR" altLang="en-US" sz="1600" dirty="0" smtClean="0"/>
+                        <a:t> 구독</a:t>
+                      </a:r>
+                      <a:r>
+                        <a:rPr lang="en-US" altLang="ko-KR" sz="1600" dirty="0" smtClean="0"/>
+                        <a:t>,</a:t>
+                      </a:r>
+                      <a:r>
+                        <a:rPr lang="ko-KR" altLang="en-US" sz="1600" dirty="0" err="1" smtClean="0"/>
+                        <a:t>시청정보</a:t>
+                      </a:r>
+                      <a:r>
+                        <a:rPr lang="en-US" altLang="ko-KR" sz="1600" dirty="0" smtClean="0"/>
+                        <a:t>)</a:t>
+                      </a:r>
+                    </a:p>
+                    <a:p>
+                      <a:pPr latinLnBrk="1"/>
+                      <a:endParaRPr lang="en-US" altLang="ko-KR" sz="1600" dirty="0" smtClean="0"/>
+                    </a:p>
+                    <a:p>
+                      <a:pPr latinLnBrk="1"/>
+                      <a:r>
+                        <a:rPr lang="en-US" altLang="ko-KR" sz="1600" dirty="0" smtClean="0"/>
+                        <a:t>(</a:t>
+                      </a:r>
+                      <a:r>
+                        <a:rPr lang="ko-KR" altLang="en-US" sz="1600" dirty="0" err="1" smtClean="0"/>
+                        <a:t>디테일정보</a:t>
+                      </a:r>
+                      <a:r>
+                        <a:rPr lang="ko-KR" altLang="en-US" sz="1600" dirty="0" smtClean="0"/>
+                        <a:t> 누르면 </a:t>
+                      </a:r>
+                      <a:r>
+                        <a:rPr lang="en-US" altLang="ko-KR" sz="1600" dirty="0" smtClean="0"/>
+                        <a:t>1</a:t>
+                      </a:r>
+                      <a:r>
+                        <a:rPr lang="ko-KR" altLang="en-US" sz="1600" dirty="0" err="1" smtClean="0"/>
+                        <a:t>일기준으로</a:t>
+                      </a:r>
+                      <a:r>
+                        <a:rPr lang="ko-KR" altLang="en-US" sz="1600" dirty="0" smtClean="0"/>
+                        <a:t> 보여줌</a:t>
+                      </a:r>
+                      <a:r>
+                        <a:rPr lang="en-US" altLang="ko-KR" sz="1600" dirty="0" smtClean="0"/>
+                        <a:t>)</a:t>
+                      </a:r>
+                      <a:endParaRPr lang="ko-KR" altLang="en-US" dirty="0"/>
+                    </a:p>
+                  </a:txBody>
+                  <a:tcPr>
+                    <a:solidFill>
+                      <a:schemeClr val="bg1">
+                        <a:lumMod val="85000"/>
+                      </a:schemeClr>
+                    </a:solidFill>
+                  </a:tcPr>
+                </a:tc>
+                <a:extLst>
+                  <a:ext uri="{0D108BD9-81ED-4DB2-BD59-A6C34878D82A}">
+                    <a16:rowId xmlns:a16="http://schemas.microsoft.com/office/drawing/2014/main" val="1152700683"/>
+                  </a:ext>
+                </a:extLst>
+              </a:tr>
+            </a:tbl>
+          </a:graphicData>
+        </a:graphic>
+      </p:graphicFrame>
+      <p:pic>
+        <p:nvPicPr>
+          <p:cNvPr id="2" name="그림 1"/>
+          <p:cNvPicPr>
+            <a:picLocks noChangeAspect="1"/>
+          </p:cNvPicPr>
+          <p:nvPr/>
+        </p:nvPicPr>
+        <p:blipFill>
+          <a:blip r:embed="rId2"/>
+          <a:stretch>
+            <a:fillRect/>
+          </a:stretch>
+        </p:blipFill>
+        <p:spPr>
+          <a:xfrm>
+            <a:off x="2221416" y="0"/>
+            <a:ext cx="5810018" cy="2868295"/>
+          </a:xfrm>
+          <a:prstGeom prst="rect">
+            <a:avLst/>
+          </a:prstGeom>
+        </p:spPr>
+      </p:pic>
+      <p:pic>
+        <p:nvPicPr>
+          <p:cNvPr id="3" name="그림 2"/>
+          <p:cNvPicPr>
+            <a:picLocks noChangeAspect="1"/>
+          </p:cNvPicPr>
+          <p:nvPr/>
+        </p:nvPicPr>
+        <p:blipFill>
+          <a:blip r:embed="rId3"/>
+          <a:stretch>
+            <a:fillRect/>
+          </a:stretch>
+        </p:blipFill>
+        <p:spPr>
+          <a:xfrm>
+            <a:off x="3083834" y="3058975"/>
+            <a:ext cx="6024331" cy="4077806"/>
+          </a:xfrm>
+          <a:prstGeom prst="rect">
+            <a:avLst/>
+          </a:prstGeom>
+        </p:spPr>
+      </p:pic>
+      <p:pic>
+        <p:nvPicPr>
+          <p:cNvPr id="5" name="그림 4"/>
+          <p:cNvPicPr>
+            <a:picLocks noChangeAspect="1"/>
+          </p:cNvPicPr>
+          <p:nvPr/>
+        </p:nvPicPr>
+        <p:blipFill>
+          <a:blip r:embed="rId4"/>
+          <a:stretch>
+            <a:fillRect/>
+          </a:stretch>
+        </p:blipFill>
+        <p:spPr>
+          <a:xfrm>
+            <a:off x="-197412" y="3058975"/>
+            <a:ext cx="3281246" cy="3082929"/>
+          </a:xfrm>
+          <a:prstGeom prst="rect">
+            <a:avLst/>
+          </a:prstGeom>
+        </p:spPr>
+      </p:pic>
+    </p:spTree>
+    <p:extLst>
+      <p:ext uri="{BB962C8B-B14F-4D97-AF65-F5344CB8AC3E}">
+        <p14:creationId xmlns:p14="http://schemas.microsoft.com/office/powerpoint/2010/main" val="2993414875"/>
+      </p:ext>
+    </p:extLst>
+  </p:cSld>
+  <p:clrMapOvr>
+    <a:masterClrMapping/>
+  </p:clrMapOvr>
+</p:sld>
+</file>
+
+<file path=ppt/slides/slide12.xml><?xml version="1.0" encoding="utf-8"?>
+<p:sld xmlns:a="http://schemas.openxmlformats.org/drawingml/2006/main" xmlns:r="http://schemas.openxmlformats.org/officeDocument/2006/relationships" xmlns:p="http://schemas.openxmlformats.org/presentationml/2006/main">
+  <p:cSld>
+    <p:spTree>
+      <p:nvGrpSpPr>
+        <p:cNvPr id="1" name=""/>
+        <p:cNvGrpSpPr/>
+        <p:nvPr/>
+      </p:nvGrpSpPr>
+      <p:grpSpPr>
+        <a:xfrm>
+          <a:off x="0" y="0"/>
+          <a:ext cx="0" cy="0"/>
+          <a:chOff x="0" y="0"/>
+          <a:chExt cx="0" cy="0"/>
+        </a:xfrm>
+      </p:grpSpPr>
+      <p:graphicFrame>
+        <p:nvGraphicFramePr>
+          <p:cNvPr id="4" name="내용 개체 틀 3"/>
+          <p:cNvGraphicFramePr>
+            <a:graphicFrameLocks noGrp="1"/>
+          </p:cNvGraphicFramePr>
+          <p:nvPr>
+            <p:ph idx="1"/>
+            <p:extLst/>
+          </p:nvPr>
+        </p:nvGraphicFramePr>
+        <p:xfrm>
+          <a:off x="0" y="0"/>
+          <a:ext cx="12192000" cy="6858000"/>
+        </p:xfrm>
+        <a:graphic>
+          <a:graphicData uri="http://schemas.openxmlformats.org/drawingml/2006/table">
+            <a:tbl>
+              <a:tblPr firstRow="1" bandRow="1">
+                <a:tableStyleId>{5C22544A-7EE6-4342-B048-85BDC9FD1C3A}</a:tableStyleId>
+              </a:tblPr>
+              <a:tblGrid>
+                <a:gridCol w="9489688">
+                  <a:extLst>
+                    <a:ext uri="{9D8B030D-6E8A-4147-A177-3AD203B41FA5}">
+                      <a16:colId xmlns:a16="http://schemas.microsoft.com/office/drawing/2014/main" val="3534830253"/>
+                    </a:ext>
+                  </a:extLst>
+                </a:gridCol>
+                <a:gridCol w="2702312">
+                  <a:extLst>
+                    <a:ext uri="{9D8B030D-6E8A-4147-A177-3AD203B41FA5}">
+                      <a16:colId xmlns:a16="http://schemas.microsoft.com/office/drawing/2014/main" val="2519471014"/>
+                    </a:ext>
+                  </a:extLst>
+                </a:gridCol>
+              </a:tblGrid>
+              <a:tr h="399705">
+                <a:tc>
+                  <a:txBody>
+                    <a:bodyPr/>
+                    <a:lstStyle/>
+                    <a:p>
+                      <a:pPr algn="ctr" latinLnBrk="1"/>
+                      <a:r>
+                        <a:rPr lang="ko-KR" altLang="en-US" dirty="0" smtClean="0"/>
+                        <a:t>화면구성</a:t>
+                      </a:r>
+                      <a:endParaRPr lang="ko-KR" altLang="en-US" dirty="0"/>
+                    </a:p>
+                  </a:txBody>
+                  <a:tcPr/>
+                </a:tc>
+                <a:tc>
+                  <a:txBody>
+                    <a:bodyPr/>
+                    <a:lstStyle/>
+                    <a:p>
+                      <a:pPr algn="ctr" latinLnBrk="1"/>
+                      <a:r>
+                        <a:rPr lang="en-US" altLang="ko-KR" dirty="0" smtClean="0"/>
+                        <a:t>Description</a:t>
+                      </a:r>
+                      <a:endParaRPr lang="ko-KR" altLang="en-US" dirty="0"/>
+                    </a:p>
+                  </a:txBody>
+                  <a:tcPr/>
+                </a:tc>
+                <a:extLst>
+                  <a:ext uri="{0D108BD9-81ED-4DB2-BD59-A6C34878D82A}">
+                    <a16:rowId xmlns:a16="http://schemas.microsoft.com/office/drawing/2014/main" val="3463579183"/>
+                  </a:ext>
+                </a:extLst>
+              </a:tr>
+              <a:tr h="6458295">
+                <a:tc>
+                  <a:txBody>
+                    <a:bodyPr/>
+                    <a:lstStyle/>
+                    <a:p>
+                      <a:pPr latinLnBrk="1"/>
+                      <a:endParaRPr lang="en-US" altLang="ko-KR" dirty="0" smtClean="0"/>
+                    </a:p>
+                    <a:p>
+                      <a:pPr latinLnBrk="1"/>
+                      <a:endParaRPr lang="en-US" altLang="ko-KR" dirty="0" smtClean="0"/>
+                    </a:p>
+                    <a:p>
+                      <a:pPr latinLnBrk="1"/>
+                      <a:r>
+                        <a:rPr lang="ko-KR" altLang="en-US" dirty="0" smtClean="0"/>
+                        <a:t>     </a:t>
+                      </a:r>
+                      <a:endParaRPr lang="en-US" altLang="ko-KR" dirty="0" smtClean="0"/>
+                    </a:p>
+                    <a:p>
+                      <a:pPr latinLnBrk="1"/>
+                      <a:endParaRPr lang="ko-KR" altLang="en-US" dirty="0"/>
+                    </a:p>
+                  </a:txBody>
+                  <a:tcPr>
+                    <a:solidFill>
+                      <a:schemeClr val="bg1">
+                        <a:lumMod val="85000"/>
+                      </a:schemeClr>
+                    </a:solidFill>
+                  </a:tcPr>
+                </a:tc>
+                <a:tc>
+                  <a:txBody>
+                    <a:bodyPr/>
+                    <a:lstStyle/>
+                    <a:p>
+                      <a:pPr latinLnBrk="1"/>
+                      <a:r>
+                        <a:rPr lang="en-US" altLang="ko-KR" sz="1600" dirty="0" smtClean="0"/>
+                        <a:t>1.</a:t>
+                      </a:r>
+                      <a:r>
+                        <a:rPr lang="ko-KR" altLang="en-US" sz="1600" dirty="0" err="1" smtClean="0"/>
+                        <a:t>계산기준</a:t>
+                      </a:r>
+                      <a:r>
+                        <a:rPr lang="en-US" altLang="ko-KR" sz="1600" dirty="0" smtClean="0"/>
+                        <a:t>:</a:t>
+                      </a:r>
+                      <a:r>
+                        <a:rPr lang="en-US" altLang="ko-KR" sz="1600" baseline="0" dirty="0" smtClean="0"/>
+                        <a:t> 1</a:t>
+                      </a:r>
+                      <a:r>
+                        <a:rPr lang="ko-KR" altLang="en-US" sz="1600" baseline="0" dirty="0" smtClean="0"/>
+                        <a:t>주</a:t>
+                      </a:r>
+                      <a:r>
+                        <a:rPr lang="en-US" altLang="ko-KR" sz="1600" baseline="0" dirty="0" smtClean="0"/>
+                        <a:t>? 1</a:t>
+                      </a:r>
+                      <a:r>
+                        <a:rPr lang="ko-KR" altLang="en-US" sz="1600" baseline="0" dirty="0" smtClean="0"/>
+                        <a:t>달</a:t>
+                      </a:r>
+                      <a:r>
+                        <a:rPr lang="en-US" altLang="ko-KR" sz="1600" baseline="0" dirty="0" smtClean="0"/>
+                        <a:t>??</a:t>
+                      </a:r>
+                    </a:p>
+                    <a:p>
+                      <a:pPr marL="285750" indent="-285750" latinLnBrk="1">
+                        <a:buFontTx/>
+                        <a:buChar char="-"/>
+                      </a:pPr>
+                      <a:r>
+                        <a:rPr lang="ko-KR" altLang="en-US" sz="1600" baseline="0" dirty="0" smtClean="0"/>
+                        <a:t>논의 필요</a:t>
+                      </a:r>
+                      <a:endParaRPr lang="en-US" altLang="ko-KR" sz="1600" baseline="0" dirty="0" smtClean="0"/>
+                    </a:p>
+                    <a:p>
+                      <a:pPr marL="285750" indent="-285750" latinLnBrk="1">
+                        <a:buFontTx/>
+                        <a:buChar char="-"/>
+                      </a:pPr>
+                      <a:endParaRPr lang="en-US" altLang="ko-KR" sz="1600" baseline="0" dirty="0" smtClean="0"/>
+                    </a:p>
+                    <a:p>
+                      <a:pPr marL="285750" indent="-285750" latinLnBrk="1">
+                        <a:buFontTx/>
+                        <a:buChar char="-"/>
+                      </a:pPr>
+                      <a:endParaRPr lang="en-US" altLang="ko-KR" sz="1600" dirty="0" smtClean="0"/>
+                    </a:p>
+                    <a:p>
+                      <a:pPr latinLnBrk="1"/>
+                      <a:r>
+                        <a:rPr lang="en-US" altLang="ko-KR" sz="1600" dirty="0" smtClean="0"/>
+                        <a:t>2. </a:t>
+                      </a:r>
+                      <a:endParaRPr lang="ko-KR" altLang="en-US" dirty="0"/>
+                    </a:p>
+                  </a:txBody>
+                  <a:tcPr>
+                    <a:solidFill>
+                      <a:schemeClr val="bg1">
+                        <a:lumMod val="85000"/>
+                      </a:schemeClr>
+                    </a:solidFill>
+                  </a:tcPr>
+                </a:tc>
+                <a:extLst>
+                  <a:ext uri="{0D108BD9-81ED-4DB2-BD59-A6C34878D82A}">
+                    <a16:rowId xmlns:a16="http://schemas.microsoft.com/office/drawing/2014/main" val="1152700683"/>
+                  </a:ext>
+                </a:extLst>
+              </a:tr>
+            </a:tbl>
+          </a:graphicData>
+        </a:graphic>
+      </p:graphicFrame>
+      <p:pic>
+        <p:nvPicPr>
+          <p:cNvPr id="2" name="그림 1"/>
+          <p:cNvPicPr>
+            <a:picLocks noChangeAspect="1"/>
+          </p:cNvPicPr>
+          <p:nvPr/>
+        </p:nvPicPr>
+        <p:blipFill>
+          <a:blip r:embed="rId2"/>
+          <a:stretch>
+            <a:fillRect/>
+          </a:stretch>
+        </p:blipFill>
+        <p:spPr>
+          <a:xfrm>
+            <a:off x="671978" y="1246953"/>
+            <a:ext cx="8349360" cy="3391257"/>
+          </a:xfrm>
+          <a:prstGeom prst="rect">
+            <a:avLst/>
+          </a:prstGeom>
+        </p:spPr>
+      </p:pic>
+    </p:spTree>
+    <p:extLst>
+      <p:ext uri="{BB962C8B-B14F-4D97-AF65-F5344CB8AC3E}">
+        <p14:creationId xmlns:p14="http://schemas.microsoft.com/office/powerpoint/2010/main" val="3119750469"/>
+      </p:ext>
+    </p:extLst>
+  </p:cSld>
+  <p:clrMapOvr>
+    <a:masterClrMapping/>
+  </p:clrMapOvr>
+</p:sld>
+</file>
+
+<file path=ppt/slides/slide13.xml><?xml version="1.0" encoding="utf-8"?>
+<p:sld xmlns:a="http://schemas.openxmlformats.org/drawingml/2006/main" xmlns:r="http://schemas.openxmlformats.org/officeDocument/2006/relationships" xmlns:p="http://schemas.openxmlformats.org/presentationml/2006/main">
+  <p:cSld>
+    <p:spTree>
+      <p:nvGrpSpPr>
+        <p:cNvPr id="1" name=""/>
+        <p:cNvGrpSpPr/>
+        <p:nvPr/>
+      </p:nvGrpSpPr>
+      <p:grpSpPr>
+        <a:xfrm>
+          <a:off x="0" y="0"/>
+          <a:ext cx="0" cy="0"/>
+          <a:chOff x="0" y="0"/>
+          <a:chExt cx="0" cy="0"/>
+        </a:xfrm>
+      </p:grpSpPr>
+      <p:graphicFrame>
+        <p:nvGraphicFramePr>
+          <p:cNvPr id="4" name="내용 개체 틀 3"/>
+          <p:cNvGraphicFramePr>
+            <a:graphicFrameLocks noGrp="1"/>
+          </p:cNvGraphicFramePr>
+          <p:nvPr>
+            <p:ph idx="1"/>
+            <p:extLst>
+              <p:ext uri="{D42A27DB-BD31-4B8C-83A1-F6EECF244321}">
+                <p14:modId xmlns:p14="http://schemas.microsoft.com/office/powerpoint/2010/main" val="824158547"/>
+              </p:ext>
+            </p:extLst>
+          </p:nvPr>
+        </p:nvGraphicFramePr>
+        <p:xfrm>
+          <a:off x="0" y="0"/>
+          <a:ext cx="12192000" cy="6858000"/>
+        </p:xfrm>
+        <a:graphic>
+          <a:graphicData uri="http://schemas.openxmlformats.org/drawingml/2006/table">
+            <a:tbl>
+              <a:tblPr firstRow="1" bandRow="1">
+                <a:tableStyleId>{5C22544A-7EE6-4342-B048-85BDC9FD1C3A}</a:tableStyleId>
+              </a:tblPr>
+              <a:tblGrid>
+                <a:gridCol w="9489688">
+                  <a:extLst>
+                    <a:ext uri="{9D8B030D-6E8A-4147-A177-3AD203B41FA5}">
+                      <a16:colId xmlns:a16="http://schemas.microsoft.com/office/drawing/2014/main" val="3534830253"/>
+                    </a:ext>
+                  </a:extLst>
+                </a:gridCol>
+                <a:gridCol w="2702312">
+                  <a:extLst>
+                    <a:ext uri="{9D8B030D-6E8A-4147-A177-3AD203B41FA5}">
+                      <a16:colId xmlns:a16="http://schemas.microsoft.com/office/drawing/2014/main" val="2519471014"/>
+                    </a:ext>
+                  </a:extLst>
+                </a:gridCol>
+              </a:tblGrid>
+              <a:tr h="399705">
+                <a:tc>
+                  <a:txBody>
+                    <a:bodyPr/>
+                    <a:lstStyle/>
+                    <a:p>
+                      <a:pPr algn="ctr" latinLnBrk="1"/>
+                      <a:r>
+                        <a:rPr lang="ko-KR" altLang="en-US" dirty="0" smtClean="0"/>
+                        <a:t>화면구성</a:t>
+                      </a:r>
+                      <a:endParaRPr lang="ko-KR" altLang="en-US" dirty="0"/>
+                    </a:p>
+                  </a:txBody>
+                  <a:tcPr/>
+                </a:tc>
+                <a:tc>
+                  <a:txBody>
+                    <a:bodyPr/>
+                    <a:lstStyle/>
+                    <a:p>
+                      <a:pPr algn="ctr" latinLnBrk="1"/>
+                      <a:r>
+                        <a:rPr lang="en-US" altLang="ko-KR" dirty="0" smtClean="0"/>
+                        <a:t>Description</a:t>
+                      </a:r>
+                      <a:endParaRPr lang="ko-KR" altLang="en-US" dirty="0"/>
+                    </a:p>
+                  </a:txBody>
+                  <a:tcPr/>
+                </a:tc>
+                <a:extLst>
+                  <a:ext uri="{0D108BD9-81ED-4DB2-BD59-A6C34878D82A}">
+                    <a16:rowId xmlns:a16="http://schemas.microsoft.com/office/drawing/2014/main" val="3463579183"/>
+                  </a:ext>
+                </a:extLst>
+              </a:tr>
+              <a:tr h="6458295">
+                <a:tc>
+                  <a:txBody>
+                    <a:bodyPr/>
+                    <a:lstStyle/>
+                    <a:p>
+                      <a:pPr latinLnBrk="1"/>
+                      <a:endParaRPr lang="en-US" altLang="ko-KR" dirty="0" smtClean="0"/>
+                    </a:p>
+                    <a:p>
+                      <a:pPr latinLnBrk="1"/>
+                      <a:endParaRPr lang="en-US" altLang="ko-KR" dirty="0" smtClean="0"/>
+                    </a:p>
+                    <a:p>
+                      <a:pPr latinLnBrk="1"/>
+                      <a:r>
+                        <a:rPr lang="ko-KR" altLang="en-US" dirty="0" smtClean="0"/>
+                        <a:t>     </a:t>
+                      </a:r>
+                      <a:endParaRPr lang="en-US" altLang="ko-KR" dirty="0" smtClean="0"/>
+                    </a:p>
+                    <a:p>
+                      <a:pPr latinLnBrk="1"/>
+                      <a:endParaRPr lang="ko-KR" altLang="en-US" dirty="0"/>
+                    </a:p>
+                  </a:txBody>
+                  <a:tcPr>
+                    <a:solidFill>
+                      <a:schemeClr val="bg1">
+                        <a:lumMod val="85000"/>
+                      </a:schemeClr>
+                    </a:solidFill>
+                  </a:tcPr>
+                </a:tc>
+                <a:tc>
+                  <a:txBody>
+                    <a:bodyPr/>
+                    <a:lstStyle/>
+                    <a:p>
+                      <a:pPr latinLnBrk="1"/>
+                      <a:r>
+                        <a:rPr lang="en-US" altLang="ko-KR" sz="1600" dirty="0" smtClean="0"/>
+                        <a:t>1.</a:t>
+                      </a:r>
+                      <a:r>
+                        <a:rPr lang="ko-KR" altLang="en-US" sz="1600" dirty="0" err="1" smtClean="0"/>
+                        <a:t>계산기준</a:t>
+                      </a:r>
+                      <a:r>
+                        <a:rPr lang="en-US" altLang="ko-KR" sz="1600" dirty="0" smtClean="0"/>
+                        <a:t>:</a:t>
+                      </a:r>
+                      <a:r>
+                        <a:rPr lang="en-US" altLang="ko-KR" sz="1600" baseline="0" dirty="0" smtClean="0"/>
+                        <a:t> 1</a:t>
+                      </a:r>
+                      <a:r>
+                        <a:rPr lang="ko-KR" altLang="en-US" sz="1600" baseline="0" dirty="0" smtClean="0"/>
+                        <a:t>주</a:t>
+                      </a:r>
+                      <a:r>
+                        <a:rPr lang="en-US" altLang="ko-KR" sz="1600" baseline="0" dirty="0" smtClean="0"/>
+                        <a:t>? 1</a:t>
+                      </a:r>
+                      <a:r>
+                        <a:rPr lang="ko-KR" altLang="en-US" sz="1600" baseline="0" dirty="0" smtClean="0"/>
+                        <a:t>달</a:t>
+                      </a:r>
+                      <a:r>
+                        <a:rPr lang="en-US" altLang="ko-KR" sz="1600" baseline="0" dirty="0" smtClean="0"/>
+                        <a:t>??</a:t>
+                      </a:r>
+                    </a:p>
+                    <a:p>
+                      <a:pPr marL="285750" indent="-285750" latinLnBrk="1">
+                        <a:buFontTx/>
+                        <a:buChar char="-"/>
+                      </a:pPr>
+                      <a:r>
+                        <a:rPr lang="ko-KR" altLang="en-US" sz="1600" baseline="0" dirty="0" smtClean="0"/>
+                        <a:t>논의 필요</a:t>
+                      </a:r>
+                      <a:endParaRPr lang="en-US" altLang="ko-KR" sz="1600" baseline="0" dirty="0" smtClean="0"/>
+                    </a:p>
+                    <a:p>
+                      <a:pPr marL="285750" indent="-285750" latinLnBrk="1">
+                        <a:buFontTx/>
+                        <a:buChar char="-"/>
+                      </a:pPr>
+                      <a:endParaRPr lang="en-US" altLang="ko-KR" sz="1600" baseline="0" dirty="0" smtClean="0"/>
+                    </a:p>
+                    <a:p>
+                      <a:pPr marL="285750" indent="-285750" latinLnBrk="1">
+                        <a:buFontTx/>
+                        <a:buChar char="-"/>
+                      </a:pPr>
+                      <a:endParaRPr lang="en-US" altLang="ko-KR" sz="1600" dirty="0" smtClean="0"/>
+                    </a:p>
+                    <a:p>
+                      <a:pPr latinLnBrk="1"/>
+                      <a:r>
+                        <a:rPr lang="en-US" altLang="ko-KR" sz="1600" dirty="0" smtClean="0"/>
+                        <a:t>2. </a:t>
+                      </a:r>
+                      <a:endParaRPr lang="ko-KR" altLang="en-US" dirty="0"/>
+                    </a:p>
+                  </a:txBody>
+                  <a:tcPr>
+                    <a:solidFill>
+                      <a:schemeClr val="bg1">
+                        <a:lumMod val="85000"/>
+                      </a:schemeClr>
+                    </a:solidFill>
+                  </a:tcPr>
+                </a:tc>
+                <a:extLst>
+                  <a:ext uri="{0D108BD9-81ED-4DB2-BD59-A6C34878D82A}">
+                    <a16:rowId xmlns:a16="http://schemas.microsoft.com/office/drawing/2014/main" val="1152700683"/>
+                  </a:ext>
+                </a:extLst>
+              </a:tr>
+            </a:tbl>
+          </a:graphicData>
+        </a:graphic>
+      </p:graphicFrame>
+    </p:spTree>
+    <p:extLst>
+      <p:ext uri="{BB962C8B-B14F-4D97-AF65-F5344CB8AC3E}">
+        <p14:creationId xmlns:p14="http://schemas.microsoft.com/office/powerpoint/2010/main" val="3689991527"/>
       </p:ext>
     </p:extLst>
   </p:cSld>
@@ -5135,11 +5999,7 @@
                       <a:pPr latinLnBrk="1"/>
                       <a:r>
                         <a:rPr lang="en-US" altLang="ko-KR" sz="1600" dirty="0" smtClean="0"/>
-                        <a:t>1</a:t>
-                      </a:r>
-                      <a:r>
-                        <a:rPr lang="en-US" altLang="ko-KR" sz="1600" dirty="0" smtClean="0"/>
-                        <a:t>.</a:t>
+                        <a:t>1.</a:t>
                       </a:r>
                       <a:r>
                         <a:rPr lang="ko-KR" altLang="en-US" sz="1600" dirty="0" err="1" smtClean="0"/>
@@ -5201,102 +6061,6 @@
                         <a:rPr lang="en-US" altLang="ko-KR" sz="1600" dirty="0" smtClean="0"/>
                         <a:t>2. </a:t>
                       </a:r>
-                      <a:r>
-                        <a:rPr lang="ko-KR" altLang="en-US" sz="1600" dirty="0" err="1" smtClean="0"/>
-                        <a:t>총조회수</a:t>
-                      </a:r>
-                      <a:r>
-                        <a:rPr lang="ko-KR" altLang="en-US" sz="1600" dirty="0" smtClean="0"/>
-                        <a:t> 증가추세 추가</a:t>
-                      </a:r>
-                      <a:endParaRPr lang="en-US" altLang="ko-KR" sz="1600" dirty="0" smtClean="0"/>
-                    </a:p>
-                    <a:p>
-                      <a:pPr latinLnBrk="1"/>
-                      <a:endParaRPr lang="en-US" altLang="ko-KR" sz="1600" dirty="0" smtClean="0"/>
-                    </a:p>
-                    <a:p>
-                      <a:pPr latinLnBrk="1"/>
-                      <a:endParaRPr lang="en-US" altLang="ko-KR" sz="1600" dirty="0" smtClean="0"/>
-                    </a:p>
-                    <a:p>
-                      <a:pPr latinLnBrk="1"/>
-                      <a:r>
-                        <a:rPr lang="en-US" altLang="ko-KR" sz="1600" dirty="0" smtClean="0"/>
-                        <a:t>3</a:t>
-                      </a:r>
-                      <a:r>
-                        <a:rPr lang="en-US" altLang="ko-KR" sz="1600" dirty="0" smtClean="0"/>
-                        <a:t>. </a:t>
-                      </a:r>
-                      <a:r>
-                        <a:rPr lang="ko-KR" altLang="en-US" sz="1600" dirty="0" smtClean="0"/>
-                        <a:t>업로드 </a:t>
-                      </a:r>
-                      <a:r>
-                        <a:rPr lang="ko-KR" altLang="en-US" sz="1600" dirty="0" err="1" smtClean="0"/>
-                        <a:t>평균주기</a:t>
-                      </a:r>
-                      <a:endParaRPr lang="en-US" altLang="ko-KR" sz="1600" dirty="0" smtClean="0"/>
-                    </a:p>
-                    <a:p>
-                      <a:pPr latinLnBrk="1"/>
-                      <a:endParaRPr lang="en-US" altLang="ko-KR" sz="1600" dirty="0" smtClean="0"/>
-                    </a:p>
-                    <a:p>
-                      <a:pPr marL="0" marR="0" indent="0" algn="l" defTabSz="914400" rtl="0" eaLnBrk="1" fontAlgn="auto" latinLnBrk="1" hangingPunct="1">
-                        <a:lnSpc>
-                          <a:spcPct val="100000"/>
-                        </a:lnSpc>
-                        <a:spcBef>
-                          <a:spcPts val="0"/>
-                        </a:spcBef>
-                        <a:spcAft>
-                          <a:spcPts val="0"/>
-                        </a:spcAft>
-                        <a:buClrTx/>
-                        <a:buSzTx/>
-                        <a:buFontTx/>
-                        <a:buNone/>
-                        <a:tabLst/>
-                        <a:defRPr/>
-                      </a:pPr>
-                      <a:r>
-                        <a:rPr lang="en-US" altLang="ko-KR" sz="1600" dirty="0" smtClean="0"/>
-                        <a:t>4</a:t>
-                      </a:r>
-                      <a:r>
-                        <a:rPr lang="en-US" altLang="ko-KR" sz="1600" dirty="0" smtClean="0"/>
-                        <a:t>.</a:t>
-                      </a:r>
-                      <a:r>
-                        <a:rPr lang="ko-KR" altLang="en-US" sz="1600" dirty="0" smtClean="0"/>
-                        <a:t> 카테고리 내 순위</a:t>
-                      </a:r>
-                      <a:endParaRPr lang="en-US" altLang="ko-KR" sz="1600" dirty="0" smtClean="0"/>
-                    </a:p>
-                    <a:p>
-                      <a:pPr latinLnBrk="1"/>
-                      <a:endParaRPr lang="en-US" altLang="ko-KR" sz="1600" dirty="0" smtClean="0"/>
-                    </a:p>
-                    <a:p>
-                      <a:pPr latinLnBrk="1"/>
-                      <a:r>
-                        <a:rPr lang="en-US" altLang="ko-KR" sz="1600" dirty="0" smtClean="0"/>
-                        <a:t>5</a:t>
-                      </a:r>
-                      <a:r>
-                        <a:rPr lang="en-US" altLang="ko-KR" sz="1600" dirty="0" smtClean="0"/>
-                        <a:t>. </a:t>
-                      </a:r>
-                      <a:r>
-                        <a:rPr lang="ko-KR" altLang="en-US" sz="1600" dirty="0" smtClean="0"/>
-                        <a:t>유튜브 링크</a:t>
-                      </a:r>
-                      <a:endParaRPr lang="en-US" altLang="ko-KR" sz="1600" dirty="0" smtClean="0"/>
-                    </a:p>
-                    <a:p>
-                      <a:pPr latinLnBrk="1"/>
                       <a:endParaRPr lang="ko-KR" altLang="en-US" dirty="0"/>
                     </a:p>
                   </a:txBody>
@@ -5321,7 +6085,7 @@
     </p:spTree>
     <p:extLst>
       <p:ext uri="{BB962C8B-B14F-4D97-AF65-F5344CB8AC3E}">
-        <p14:creationId xmlns:p14="http://schemas.microsoft.com/office/powerpoint/2010/main" val="2478691998"/>
+        <p14:creationId xmlns:p14="http://schemas.microsoft.com/office/powerpoint/2010/main" val="3824678736"/>
       </p:ext>
     </p:extLst>
   </p:cSld>
@@ -5468,11 +6232,7 @@
                       <a:pPr latinLnBrk="1"/>
                       <a:r>
                         <a:rPr lang="en-US" altLang="ko-KR" sz="1600" dirty="0" smtClean="0"/>
-                        <a:t>1</a:t>
-                      </a:r>
-                      <a:r>
-                        <a:rPr lang="en-US" altLang="ko-KR" sz="1600" dirty="0" smtClean="0"/>
-                        <a:t>.</a:t>
+                        <a:t>1.</a:t>
                       </a:r>
                       <a:r>
                         <a:rPr lang="ko-KR" altLang="en-US" sz="1600" dirty="0" err="1" smtClean="0"/>
@@ -5556,11 +6316,7 @@
                       <a:pPr latinLnBrk="1"/>
                       <a:r>
                         <a:rPr lang="en-US" altLang="ko-KR" sz="1600" dirty="0" smtClean="0"/>
-                        <a:t>3</a:t>
-                      </a:r>
-                      <a:r>
-                        <a:rPr lang="en-US" altLang="ko-KR" sz="1600" dirty="0" smtClean="0"/>
-                        <a:t>. </a:t>
+                        <a:t>3. </a:t>
                       </a:r>
                       <a:r>
                         <a:rPr lang="ko-KR" altLang="en-US" sz="1600" dirty="0" smtClean="0"/>
@@ -5596,11 +6352,7 @@
                       </a:pPr>
                       <a:r>
                         <a:rPr lang="en-US" altLang="ko-KR" sz="1600" dirty="0" smtClean="0"/>
-                        <a:t>4</a:t>
-                      </a:r>
-                      <a:r>
-                        <a:rPr lang="en-US" altLang="ko-KR" sz="1600" dirty="0" smtClean="0"/>
-                        <a:t>.</a:t>
+                        <a:t>4.</a:t>
                       </a:r>
                       <a:r>
                         <a:rPr lang="ko-KR" altLang="en-US" sz="1600" dirty="0" smtClean="0"/>
@@ -5616,11 +6368,7 @@
                       <a:pPr latinLnBrk="1"/>
                       <a:r>
                         <a:rPr lang="en-US" altLang="ko-KR" sz="1600" dirty="0" smtClean="0"/>
-                        <a:t>5</a:t>
-                      </a:r>
-                      <a:r>
-                        <a:rPr lang="en-US" altLang="ko-KR" sz="1600" dirty="0" smtClean="0"/>
-                        <a:t>. </a:t>
+                        <a:t>5. </a:t>
                       </a:r>
                       <a:r>
                         <a:rPr lang="ko-KR" altLang="en-US" sz="1600" dirty="0" smtClean="0"/>
@@ -7784,11 +8532,7 @@
                       <a:pPr latinLnBrk="1"/>
                       <a:r>
                         <a:rPr lang="en-US" altLang="ko-KR" sz="1600" dirty="0" smtClean="0"/>
-                        <a:t>1</a:t>
-                      </a:r>
-                      <a:r>
-                        <a:rPr lang="en-US" altLang="ko-KR" sz="1600" dirty="0" smtClean="0"/>
-                        <a:t>.</a:t>
+                        <a:t>1.</a:t>
                       </a:r>
                       <a:r>
                         <a:rPr lang="ko-KR" altLang="en-US" sz="1600" dirty="0" smtClean="0"/>
@@ -8234,11 +8978,7 @@
                       </a:pPr>
                       <a:r>
                         <a:rPr lang="en-US" altLang="ko-KR" sz="1600" dirty="0" smtClean="0"/>
-                        <a:t>1</a:t>
-                      </a:r>
-                      <a:r>
-                        <a:rPr lang="en-US" altLang="ko-KR" sz="1600" dirty="0" smtClean="0"/>
-                        <a:t>.</a:t>
+                        <a:t>1.</a:t>
                       </a:r>
                       <a:r>
                         <a:rPr lang="ko-KR" altLang="en-US" sz="1600" b="1" dirty="0" smtClean="0">

--- a/docs/23_웹UI기획서/보고서 시각지표 기획.pptx
+++ b/docs/23_웹UI기획서/보고서 시각지표 기획.pptx
@@ -18,6 +18,7 @@
     <p:sldId id="274" r:id="rId12"/>
     <p:sldId id="276" r:id="rId13"/>
     <p:sldId id="273" r:id="rId14"/>
+    <p:sldId id="277" r:id="rId15"/>
   </p:sldIdLst>
   <p:sldSz cx="12192000" cy="6858000"/>
   <p:notesSz cx="6858000" cy="9144000"/>
@@ -2075,7 +2076,7 @@
           <a:p>
             <a:fld id="{3F292487-ECF3-4863-877C-6383CAAE8EAB}" type="datetimeFigureOut">
               <a:rPr lang="ko-KR" altLang="en-US" smtClean="0"/>
-              <a:t>2018-12-21</a:t>
+              <a:t>2018-12-27</a:t>
             </a:fld>
             <a:endParaRPr lang="ko-KR" altLang="en-US"/>
           </a:p>
@@ -2245,7 +2246,7 @@
           <a:p>
             <a:fld id="{3F292487-ECF3-4863-877C-6383CAAE8EAB}" type="datetimeFigureOut">
               <a:rPr lang="ko-KR" altLang="en-US" smtClean="0"/>
-              <a:t>2018-12-21</a:t>
+              <a:t>2018-12-27</a:t>
             </a:fld>
             <a:endParaRPr lang="ko-KR" altLang="en-US"/>
           </a:p>
@@ -2425,7 +2426,7 @@
           <a:p>
             <a:fld id="{3F292487-ECF3-4863-877C-6383CAAE8EAB}" type="datetimeFigureOut">
               <a:rPr lang="ko-KR" altLang="en-US" smtClean="0"/>
-              <a:t>2018-12-21</a:t>
+              <a:t>2018-12-27</a:t>
             </a:fld>
             <a:endParaRPr lang="ko-KR" altLang="en-US"/>
           </a:p>
@@ -2595,7 +2596,7 @@
           <a:p>
             <a:fld id="{3F292487-ECF3-4863-877C-6383CAAE8EAB}" type="datetimeFigureOut">
               <a:rPr lang="ko-KR" altLang="en-US" smtClean="0"/>
-              <a:t>2018-12-21</a:t>
+              <a:t>2018-12-27</a:t>
             </a:fld>
             <a:endParaRPr lang="ko-KR" altLang="en-US"/>
           </a:p>
@@ -2841,7 +2842,7 @@
           <a:p>
             <a:fld id="{3F292487-ECF3-4863-877C-6383CAAE8EAB}" type="datetimeFigureOut">
               <a:rPr lang="ko-KR" altLang="en-US" smtClean="0"/>
-              <a:t>2018-12-21</a:t>
+              <a:t>2018-12-27</a:t>
             </a:fld>
             <a:endParaRPr lang="ko-KR" altLang="en-US"/>
           </a:p>
@@ -3073,7 +3074,7 @@
           <a:p>
             <a:fld id="{3F292487-ECF3-4863-877C-6383CAAE8EAB}" type="datetimeFigureOut">
               <a:rPr lang="ko-KR" altLang="en-US" smtClean="0"/>
-              <a:t>2018-12-21</a:t>
+              <a:t>2018-12-27</a:t>
             </a:fld>
             <a:endParaRPr lang="ko-KR" altLang="en-US"/>
           </a:p>
@@ -3440,7 +3441,7 @@
           <a:p>
             <a:fld id="{3F292487-ECF3-4863-877C-6383CAAE8EAB}" type="datetimeFigureOut">
               <a:rPr lang="ko-KR" altLang="en-US" smtClean="0"/>
-              <a:t>2018-12-21</a:t>
+              <a:t>2018-12-27</a:t>
             </a:fld>
             <a:endParaRPr lang="ko-KR" altLang="en-US"/>
           </a:p>
@@ -3558,7 +3559,7 @@
           <a:p>
             <a:fld id="{3F292487-ECF3-4863-877C-6383CAAE8EAB}" type="datetimeFigureOut">
               <a:rPr lang="ko-KR" altLang="en-US" smtClean="0"/>
-              <a:t>2018-12-21</a:t>
+              <a:t>2018-12-27</a:t>
             </a:fld>
             <a:endParaRPr lang="ko-KR" altLang="en-US"/>
           </a:p>
@@ -3653,7 +3654,7 @@
           <a:p>
             <a:fld id="{3F292487-ECF3-4863-877C-6383CAAE8EAB}" type="datetimeFigureOut">
               <a:rPr lang="ko-KR" altLang="en-US" smtClean="0"/>
-              <a:t>2018-12-21</a:t>
+              <a:t>2018-12-27</a:t>
             </a:fld>
             <a:endParaRPr lang="ko-KR" altLang="en-US"/>
           </a:p>
@@ -3930,7 +3931,7 @@
           <a:p>
             <a:fld id="{3F292487-ECF3-4863-877C-6383CAAE8EAB}" type="datetimeFigureOut">
               <a:rPr lang="ko-KR" altLang="en-US" smtClean="0"/>
-              <a:t>2018-12-21</a:t>
+              <a:t>2018-12-27</a:t>
             </a:fld>
             <a:endParaRPr lang="ko-KR" altLang="en-US"/>
           </a:p>
@@ -4183,7 +4184,7 @@
           <a:p>
             <a:fld id="{3F292487-ECF3-4863-877C-6383CAAE8EAB}" type="datetimeFigureOut">
               <a:rPr lang="ko-KR" altLang="en-US" smtClean="0"/>
-              <a:t>2018-12-21</a:t>
+              <a:t>2018-12-27</a:t>
             </a:fld>
             <a:endParaRPr lang="ko-KR" altLang="en-US"/>
           </a:p>
@@ -4396,7 +4397,7 @@
           <a:p>
             <a:fld id="{3F292487-ECF3-4863-877C-6383CAAE8EAB}" type="datetimeFigureOut">
               <a:rPr lang="ko-KR" altLang="en-US" smtClean="0"/>
-              <a:t>2018-12-21</a:t>
+              <a:t>2018-12-27</a:t>
             </a:fld>
             <a:endParaRPr lang="ko-KR" altLang="en-US"/>
           </a:p>
@@ -5138,11 +5139,7 @@
                       <a:pPr latinLnBrk="1"/>
                       <a:r>
                         <a:rPr lang="en-US" altLang="ko-KR" sz="1600" dirty="0" smtClean="0"/>
-                        <a:t>1</a:t>
-                      </a:r>
-                      <a:r>
-                        <a:rPr lang="en-US" altLang="ko-KR" sz="1600" dirty="0" smtClean="0"/>
-                        <a:t>.</a:t>
+                        <a:t>1.</a:t>
                       </a:r>
                       <a:r>
                         <a:rPr lang="ko-KR" altLang="en-US" sz="1600" dirty="0" smtClean="0"/>
@@ -5853,10 +5850,567 @@
           </a:graphicData>
         </a:graphic>
       </p:graphicFrame>
+      <p:pic>
+        <p:nvPicPr>
+          <p:cNvPr id="2" name="그림 1"/>
+          <p:cNvPicPr>
+            <a:picLocks noChangeAspect="1"/>
+          </p:cNvPicPr>
+          <p:nvPr/>
+        </p:nvPicPr>
+        <p:blipFill>
+          <a:blip r:embed="rId2"/>
+          <a:stretch>
+            <a:fillRect/>
+          </a:stretch>
+        </p:blipFill>
+        <p:spPr>
+          <a:xfrm>
+            <a:off x="601237" y="1321441"/>
+            <a:ext cx="8375495" cy="4215118"/>
+          </a:xfrm>
+          <a:prstGeom prst="rect">
+            <a:avLst/>
+          </a:prstGeom>
+        </p:spPr>
+      </p:pic>
     </p:spTree>
     <p:extLst>
       <p:ext uri="{BB962C8B-B14F-4D97-AF65-F5344CB8AC3E}">
         <p14:creationId xmlns:p14="http://schemas.microsoft.com/office/powerpoint/2010/main" val="3689991527"/>
+      </p:ext>
+    </p:extLst>
+  </p:cSld>
+  <p:clrMapOvr>
+    <a:masterClrMapping/>
+  </p:clrMapOvr>
+</p:sld>
+</file>
+
+<file path=ppt/slides/slide14.xml><?xml version="1.0" encoding="utf-8"?>
+<p:sld xmlns:a="http://schemas.openxmlformats.org/drawingml/2006/main" xmlns:r="http://schemas.openxmlformats.org/officeDocument/2006/relationships" xmlns:p="http://schemas.openxmlformats.org/presentationml/2006/main">
+  <p:cSld>
+    <p:spTree>
+      <p:nvGrpSpPr>
+        <p:cNvPr id="1" name=""/>
+        <p:cNvGrpSpPr/>
+        <p:nvPr/>
+      </p:nvGrpSpPr>
+      <p:grpSpPr>
+        <a:xfrm>
+          <a:off x="0" y="0"/>
+          <a:ext cx="0" cy="0"/>
+          <a:chOff x="0" y="0"/>
+          <a:chExt cx="0" cy="0"/>
+        </a:xfrm>
+      </p:grpSpPr>
+      <p:graphicFrame>
+        <p:nvGraphicFramePr>
+          <p:cNvPr id="4" name="내용 개체 틀 3"/>
+          <p:cNvGraphicFramePr>
+            <a:graphicFrameLocks noGrp="1"/>
+          </p:cNvGraphicFramePr>
+          <p:nvPr>
+            <p:ph idx="1"/>
+            <p:extLst>
+              <p:ext uri="{D42A27DB-BD31-4B8C-83A1-F6EECF244321}">
+                <p14:modId xmlns:p14="http://schemas.microsoft.com/office/powerpoint/2010/main" val="2527452299"/>
+              </p:ext>
+            </p:extLst>
+          </p:nvPr>
+        </p:nvGraphicFramePr>
+        <p:xfrm>
+          <a:off x="0" y="0"/>
+          <a:ext cx="12192000" cy="6858000"/>
+        </p:xfrm>
+        <a:graphic>
+          <a:graphicData uri="http://schemas.openxmlformats.org/drawingml/2006/table">
+            <a:tbl>
+              <a:tblPr firstRow="1" bandRow="1">
+                <a:tableStyleId>{5C22544A-7EE6-4342-B048-85BDC9FD1C3A}</a:tableStyleId>
+              </a:tblPr>
+              <a:tblGrid>
+                <a:gridCol w="9489688">
+                  <a:extLst>
+                    <a:ext uri="{9D8B030D-6E8A-4147-A177-3AD203B41FA5}">
+                      <a16:colId xmlns:a16="http://schemas.microsoft.com/office/drawing/2014/main" val="3534830253"/>
+                    </a:ext>
+                  </a:extLst>
+                </a:gridCol>
+                <a:gridCol w="2702312">
+                  <a:extLst>
+                    <a:ext uri="{9D8B030D-6E8A-4147-A177-3AD203B41FA5}">
+                      <a16:colId xmlns:a16="http://schemas.microsoft.com/office/drawing/2014/main" val="2519471014"/>
+                    </a:ext>
+                  </a:extLst>
+                </a:gridCol>
+              </a:tblGrid>
+              <a:tr h="399705">
+                <a:tc>
+                  <a:txBody>
+                    <a:bodyPr/>
+                    <a:lstStyle/>
+                    <a:p>
+                      <a:pPr algn="ctr" latinLnBrk="1"/>
+                      <a:r>
+                        <a:rPr lang="ko-KR" altLang="en-US" dirty="0" smtClean="0"/>
+                        <a:t>화면구성</a:t>
+                      </a:r>
+                      <a:endParaRPr lang="ko-KR" altLang="en-US" dirty="0"/>
+                    </a:p>
+                  </a:txBody>
+                  <a:tcPr/>
+                </a:tc>
+                <a:tc>
+                  <a:txBody>
+                    <a:bodyPr/>
+                    <a:lstStyle/>
+                    <a:p>
+                      <a:pPr algn="ctr" latinLnBrk="1"/>
+                      <a:r>
+                        <a:rPr lang="en-US" altLang="ko-KR" dirty="0" smtClean="0"/>
+                        <a:t>Description</a:t>
+                      </a:r>
+                      <a:endParaRPr lang="ko-KR" altLang="en-US" dirty="0"/>
+                    </a:p>
+                  </a:txBody>
+                  <a:tcPr/>
+                </a:tc>
+                <a:extLst>
+                  <a:ext uri="{0D108BD9-81ED-4DB2-BD59-A6C34878D82A}">
+                    <a16:rowId xmlns:a16="http://schemas.microsoft.com/office/drawing/2014/main" val="3463579183"/>
+                  </a:ext>
+                </a:extLst>
+              </a:tr>
+              <a:tr h="6458295">
+                <a:tc>
+                  <a:txBody>
+                    <a:bodyPr/>
+                    <a:lstStyle/>
+                    <a:p>
+                      <a:pPr latinLnBrk="1"/>
+                      <a:endParaRPr lang="en-US" altLang="ko-KR" dirty="0" smtClean="0"/>
+                    </a:p>
+                    <a:p>
+                      <a:pPr latinLnBrk="1"/>
+                      <a:endParaRPr lang="en-US" altLang="ko-KR" dirty="0" smtClean="0"/>
+                    </a:p>
+                    <a:p>
+                      <a:pPr latinLnBrk="1"/>
+                      <a:r>
+                        <a:rPr lang="ko-KR" altLang="en-US" dirty="0" smtClean="0"/>
+                        <a:t>     </a:t>
+                      </a:r>
+                      <a:endParaRPr lang="en-US" altLang="ko-KR" dirty="0" smtClean="0"/>
+                    </a:p>
+                    <a:p>
+                      <a:pPr latinLnBrk="1"/>
+                      <a:r>
+                        <a:rPr lang="ko-KR" altLang="en-US" dirty="0" err="1" smtClean="0"/>
+                        <a:t>채팅</a:t>
+                      </a:r>
+                      <a:r>
+                        <a:rPr lang="ko-KR" altLang="en-US" baseline="0" dirty="0" err="1" smtClean="0"/>
+                        <a:t>내용</a:t>
+                      </a:r>
+                      <a:r>
+                        <a:rPr lang="en-US" altLang="ko-KR" baseline="0" dirty="0" smtClean="0"/>
+                        <a:t>(raw)                 -&gt; </a:t>
+                      </a:r>
+                      <a:r>
+                        <a:rPr lang="ko-KR" altLang="en-US" baseline="0" dirty="0" smtClean="0"/>
+                        <a:t>우선순위 설정</a:t>
+                      </a:r>
+                      <a:r>
+                        <a:rPr lang="en-US" altLang="ko-KR" baseline="0" dirty="0" smtClean="0"/>
+                        <a:t>( </a:t>
+                      </a:r>
+                      <a:r>
+                        <a:rPr lang="ko-KR" altLang="en-US" baseline="0" dirty="0" err="1" smtClean="0"/>
+                        <a:t>채팅빈도</a:t>
+                      </a:r>
+                      <a:r>
+                        <a:rPr lang="ko-KR" altLang="en-US" baseline="0" dirty="0" smtClean="0"/>
+                        <a:t> 기준 </a:t>
+                      </a:r>
+                      <a:r>
+                        <a:rPr lang="en-US" altLang="ko-KR" baseline="0" dirty="0" smtClean="0"/>
+                        <a:t>1</a:t>
+                      </a:r>
+                      <a:r>
+                        <a:rPr lang="ko-KR" altLang="en-US" baseline="0" dirty="0" smtClean="0"/>
+                        <a:t>위부터 리스트화</a:t>
+                      </a:r>
+                      <a:r>
+                        <a:rPr lang="en-US" altLang="ko-KR" baseline="0" dirty="0" smtClean="0"/>
+                        <a:t>)</a:t>
+                      </a:r>
+                    </a:p>
+                    <a:p>
+                      <a:pPr latinLnBrk="1"/>
+                      <a:r>
+                        <a:rPr lang="ko-KR" altLang="en-US" baseline="0" dirty="0" smtClean="0"/>
+                        <a:t>채팅 외에 </a:t>
+                      </a:r>
+                      <a:r>
+                        <a:rPr lang="en-US" altLang="ko-KR" baseline="0" dirty="0" smtClean="0"/>
+                        <a:t>SNS </a:t>
+                      </a:r>
+                      <a:r>
+                        <a:rPr lang="ko-KR" altLang="en-US" baseline="0" dirty="0" smtClean="0"/>
+                        <a:t>등 </a:t>
+                      </a:r>
+                      <a:endParaRPr lang="en-US" altLang="ko-KR" baseline="0" dirty="0" smtClean="0"/>
+                    </a:p>
+                    <a:p>
+                      <a:pPr latinLnBrk="1"/>
+                      <a:r>
+                        <a:rPr lang="ko-KR" altLang="en-US" baseline="0" dirty="0" err="1" smtClean="0"/>
+                        <a:t>비슷한데이터</a:t>
+                      </a:r>
+                      <a:r>
+                        <a:rPr lang="ko-KR" altLang="en-US" baseline="0" dirty="0" smtClean="0"/>
+                        <a:t> </a:t>
+                      </a:r>
+                      <a:r>
+                        <a:rPr lang="ko-KR" altLang="en-US" baseline="0" dirty="0" err="1" smtClean="0"/>
+                        <a:t>다른곳에서</a:t>
+                      </a:r>
+                      <a:endParaRPr lang="en-US" altLang="ko-KR" baseline="0" dirty="0" smtClean="0"/>
+                    </a:p>
+                    <a:p>
+                      <a:pPr latinLnBrk="1"/>
+                      <a:r>
+                        <a:rPr lang="ko-KR" altLang="en-US" baseline="0" dirty="0" err="1" smtClean="0"/>
+                        <a:t>긁어와야지</a:t>
+                      </a:r>
+                      <a:endParaRPr lang="ko-KR" altLang="en-US" dirty="0"/>
+                    </a:p>
+                  </a:txBody>
+                  <a:tcPr>
+                    <a:solidFill>
+                      <a:schemeClr val="bg1">
+                        <a:lumMod val="85000"/>
+                      </a:schemeClr>
+                    </a:solidFill>
+                  </a:tcPr>
+                </a:tc>
+                <a:tc>
+                  <a:txBody>
+                    <a:bodyPr/>
+                    <a:lstStyle/>
+                    <a:p>
+                      <a:pPr latinLnBrk="1"/>
+                      <a:r>
+                        <a:rPr lang="en-US" altLang="ko-KR" sz="1600" dirty="0" smtClean="0"/>
+                        <a:t>1.</a:t>
+                      </a:r>
+                      <a:r>
+                        <a:rPr lang="ko-KR" altLang="en-US" sz="1600" dirty="0" err="1" smtClean="0"/>
+                        <a:t>계산기준</a:t>
+                      </a:r>
+                      <a:r>
+                        <a:rPr lang="en-US" altLang="ko-KR" sz="1600" dirty="0" smtClean="0"/>
+                        <a:t>:</a:t>
+                      </a:r>
+                      <a:r>
+                        <a:rPr lang="en-US" altLang="ko-KR" sz="1600" baseline="0" dirty="0" smtClean="0"/>
+                        <a:t> 1</a:t>
+                      </a:r>
+                      <a:r>
+                        <a:rPr lang="ko-KR" altLang="en-US" sz="1600" baseline="0" dirty="0" smtClean="0"/>
+                        <a:t>주</a:t>
+                      </a:r>
+                      <a:r>
+                        <a:rPr lang="en-US" altLang="ko-KR" sz="1600" baseline="0" dirty="0" smtClean="0"/>
+                        <a:t>? 1</a:t>
+                      </a:r>
+                      <a:r>
+                        <a:rPr lang="ko-KR" altLang="en-US" sz="1600" baseline="0" dirty="0" smtClean="0"/>
+                        <a:t>달</a:t>
+                      </a:r>
+                      <a:r>
+                        <a:rPr lang="en-US" altLang="ko-KR" sz="1600" baseline="0" dirty="0" smtClean="0"/>
+                        <a:t>??</a:t>
+                      </a:r>
+                    </a:p>
+                    <a:p>
+                      <a:pPr marL="285750" indent="-285750" latinLnBrk="1">
+                        <a:buFontTx/>
+                        <a:buChar char="-"/>
+                      </a:pPr>
+                      <a:r>
+                        <a:rPr lang="ko-KR" altLang="en-US" sz="1600" baseline="0" dirty="0" smtClean="0"/>
+                        <a:t>논의 필요</a:t>
+                      </a:r>
+                      <a:endParaRPr lang="en-US" altLang="ko-KR" sz="1600" baseline="0" dirty="0" smtClean="0"/>
+                    </a:p>
+                    <a:p>
+                      <a:pPr marL="285750" indent="-285750" latinLnBrk="1">
+                        <a:buFontTx/>
+                        <a:buChar char="-"/>
+                      </a:pPr>
+                      <a:endParaRPr lang="en-US" altLang="ko-KR" sz="1600" baseline="0" dirty="0" smtClean="0"/>
+                    </a:p>
+                    <a:p>
+                      <a:pPr marL="285750" indent="-285750" latinLnBrk="1">
+                        <a:buFontTx/>
+                        <a:buChar char="-"/>
+                      </a:pPr>
+                      <a:endParaRPr lang="en-US" altLang="ko-KR" sz="1600" dirty="0" smtClean="0"/>
+                    </a:p>
+                    <a:p>
+                      <a:pPr latinLnBrk="1"/>
+                      <a:r>
+                        <a:rPr lang="en-US" altLang="ko-KR" sz="1600" dirty="0" smtClean="0"/>
+                        <a:t>2. </a:t>
+                      </a:r>
+                      <a:endParaRPr lang="ko-KR" altLang="en-US" dirty="0"/>
+                    </a:p>
+                  </a:txBody>
+                  <a:tcPr>
+                    <a:solidFill>
+                      <a:schemeClr val="bg1">
+                        <a:lumMod val="85000"/>
+                      </a:schemeClr>
+                    </a:solidFill>
+                  </a:tcPr>
+                </a:tc>
+                <a:extLst>
+                  <a:ext uri="{0D108BD9-81ED-4DB2-BD59-A6C34878D82A}">
+                    <a16:rowId xmlns:a16="http://schemas.microsoft.com/office/drawing/2014/main" val="1152700683"/>
+                  </a:ext>
+                </a:extLst>
+              </a:tr>
+            </a:tbl>
+          </a:graphicData>
+        </a:graphic>
+      </p:graphicFrame>
+      <p:sp>
+        <p:nvSpPr>
+          <p:cNvPr id="3" name="TextBox 2"/>
+          <p:cNvSpPr txBox="1"/>
+          <p:nvPr/>
+        </p:nvSpPr>
+        <p:spPr>
+          <a:xfrm>
+            <a:off x="2029522" y="2865863"/>
+            <a:ext cx="5675971" cy="2585323"/>
+          </a:xfrm>
+          <a:prstGeom prst="rect">
+            <a:avLst/>
+          </a:prstGeom>
+          <a:noFill/>
+        </p:spPr>
+        <p:txBody>
+          <a:bodyPr wrap="square" rtlCol="0">
+            <a:spAutoFit/>
+          </a:bodyPr>
+          <a:lstStyle/>
+          <a:p>
+            <a:r>
+              <a:rPr lang="ko-KR" altLang="en-US" dirty="0" err="1" smtClean="0"/>
+              <a:t>변수설정</a:t>
+            </a:r>
+            <a:endParaRPr lang="en-US" altLang="ko-KR" dirty="0" smtClean="0"/>
+          </a:p>
+          <a:p>
+            <a:pPr marL="342900" indent="-342900">
+              <a:buAutoNum type="arabicPeriod"/>
+            </a:pPr>
+            <a:r>
+              <a:rPr lang="ko-KR" altLang="en-US" dirty="0" err="1" smtClean="0"/>
+              <a:t>채팅빈도</a:t>
+            </a:r>
+            <a:r>
+              <a:rPr lang="ko-KR" altLang="en-US" dirty="0" smtClean="0"/>
+              <a:t> 수    </a:t>
+            </a:r>
+            <a:r>
+              <a:rPr lang="en-US" altLang="ko-KR" dirty="0"/>
+              <a:t> </a:t>
+            </a:r>
+            <a:r>
+              <a:rPr lang="en-US" altLang="ko-KR" dirty="0" smtClean="0"/>
+              <a:t> - 1</a:t>
+            </a:r>
+            <a:r>
+              <a:rPr lang="ko-KR" altLang="en-US" dirty="0" smtClean="0"/>
+              <a:t>분당으로 </a:t>
+            </a:r>
+            <a:r>
+              <a:rPr lang="ko-KR" altLang="en-US" dirty="0" err="1" smtClean="0"/>
+              <a:t>따질것인지</a:t>
+            </a:r>
+            <a:r>
+              <a:rPr lang="en-US" altLang="ko-KR" dirty="0" smtClean="0"/>
+              <a:t>?  </a:t>
+            </a:r>
+            <a:r>
+              <a:rPr lang="ko-KR" altLang="en-US" dirty="0" smtClean="0"/>
+              <a:t> </a:t>
+            </a:r>
+            <a:endParaRPr lang="en-US" altLang="ko-KR" dirty="0" smtClean="0"/>
+          </a:p>
+          <a:p>
+            <a:pPr marL="342900" indent="-342900">
+              <a:buAutoNum type="arabicPeriod"/>
+            </a:pPr>
+            <a:r>
+              <a:rPr lang="en-US" altLang="ko-KR" dirty="0" smtClean="0"/>
+              <a:t>‘</a:t>
+            </a:r>
+            <a:r>
+              <a:rPr lang="ko-KR" altLang="en-US" dirty="0" err="1" smtClean="0"/>
+              <a:t>ㅋ</a:t>
+            </a:r>
+            <a:r>
+              <a:rPr lang="en-US" altLang="ko-KR" dirty="0" smtClean="0"/>
+              <a:t>‘ </a:t>
+            </a:r>
+            <a:r>
+              <a:rPr lang="ko-KR" altLang="en-US" dirty="0" smtClean="0"/>
+              <a:t>수             </a:t>
+            </a:r>
+            <a:r>
+              <a:rPr lang="en-US" altLang="ko-KR" dirty="0" smtClean="0"/>
+              <a:t>-  </a:t>
+            </a:r>
+          </a:p>
+          <a:p>
+            <a:pPr marL="342900" indent="-342900">
+              <a:buAutoNum type="arabicPeriod" startAt="3"/>
+            </a:pPr>
+            <a:r>
+              <a:rPr lang="en-US" altLang="ko-KR" dirty="0" smtClean="0"/>
+              <a:t>‘</a:t>
+            </a:r>
+            <a:r>
+              <a:rPr lang="ko-KR" altLang="en-US" dirty="0" err="1" smtClean="0"/>
+              <a:t>도네이션</a:t>
+            </a:r>
+            <a:r>
+              <a:rPr lang="en-US" altLang="ko-KR" dirty="0" smtClean="0"/>
+              <a:t>’ </a:t>
+            </a:r>
+            <a:r>
+              <a:rPr lang="ko-KR" altLang="en-US" dirty="0" smtClean="0"/>
+              <a:t>수     </a:t>
+            </a:r>
+            <a:r>
+              <a:rPr lang="en-US" altLang="ko-KR" dirty="0" smtClean="0"/>
+              <a:t>- </a:t>
+            </a:r>
+          </a:p>
+          <a:p>
+            <a:pPr marL="342900" indent="-342900">
+              <a:buAutoNum type="arabicPeriod" startAt="3"/>
+            </a:pPr>
+            <a:r>
+              <a:rPr lang="en-US" altLang="ko-KR" dirty="0" smtClean="0"/>
+              <a:t>‘</a:t>
+            </a:r>
+            <a:r>
+              <a:rPr lang="ko-KR" altLang="en-US" dirty="0" smtClean="0"/>
+              <a:t>감탄사</a:t>
+            </a:r>
+            <a:r>
+              <a:rPr lang="en-US" altLang="ko-KR" dirty="0" smtClean="0"/>
+              <a:t>’ </a:t>
+            </a:r>
+            <a:r>
+              <a:rPr lang="ko-KR" altLang="en-US" dirty="0" smtClean="0"/>
+              <a:t>수</a:t>
+            </a:r>
+            <a:r>
+              <a:rPr lang="en-US" altLang="ko-KR" dirty="0"/>
+              <a:t> </a:t>
+            </a:r>
+            <a:r>
+              <a:rPr lang="en-US" altLang="ko-KR" dirty="0" smtClean="0"/>
+              <a:t>(      - </a:t>
+            </a:r>
+            <a:r>
+              <a:rPr lang="ko-KR" altLang="en-US" dirty="0" smtClean="0"/>
+              <a:t>감탄사 사전제작 필요</a:t>
+            </a:r>
+            <a:endParaRPr lang="en-US" altLang="ko-KR" dirty="0" smtClean="0"/>
+          </a:p>
+          <a:p>
+            <a:pPr marL="342900" indent="-342900">
+              <a:buAutoNum type="arabicPeriod" startAt="3"/>
+            </a:pPr>
+            <a:r>
+              <a:rPr lang="en-US" altLang="ko-KR" dirty="0" smtClean="0"/>
+              <a:t>55</a:t>
+            </a:r>
+          </a:p>
+          <a:p>
+            <a:pPr marL="342900" indent="-342900">
+              <a:buAutoNum type="arabicPeriod" startAt="3"/>
+            </a:pPr>
+            <a:r>
+              <a:rPr lang="ko-KR" altLang="en-US" dirty="0" err="1" smtClean="0"/>
+              <a:t>ㅇㅇㅇ</a:t>
+            </a:r>
+            <a:endParaRPr lang="en-US" altLang="ko-KR" dirty="0" smtClean="0"/>
+          </a:p>
+          <a:p>
+            <a:pPr marL="342900" indent="-342900">
+              <a:buAutoNum type="arabicPeriod" startAt="3"/>
+            </a:pPr>
+            <a:r>
+              <a:rPr lang="ko-KR" altLang="en-US" dirty="0" err="1" smtClean="0"/>
+              <a:t>ㅇㅇㅇ</a:t>
+            </a:r>
+            <a:endParaRPr lang="en-US" altLang="ko-KR" dirty="0" smtClean="0"/>
+          </a:p>
+          <a:p>
+            <a:pPr marL="342900" indent="-342900">
+              <a:buAutoNum type="arabicPeriod" startAt="3"/>
+            </a:pPr>
+            <a:endParaRPr lang="ko-KR" altLang="en-US" dirty="0"/>
+          </a:p>
+        </p:txBody>
+      </p:sp>
+      <p:sp>
+        <p:nvSpPr>
+          <p:cNvPr id="5" name="TextBox 4"/>
+          <p:cNvSpPr txBox="1"/>
+          <p:nvPr/>
+        </p:nvSpPr>
+        <p:spPr>
+          <a:xfrm>
+            <a:off x="8140390" y="3601844"/>
+            <a:ext cx="3378820" cy="369332"/>
+          </a:xfrm>
+          <a:prstGeom prst="rect">
+            <a:avLst/>
+          </a:prstGeom>
+          <a:noFill/>
+        </p:spPr>
+        <p:txBody>
+          <a:bodyPr wrap="square" rtlCol="0">
+            <a:spAutoFit/>
+          </a:bodyPr>
+          <a:lstStyle/>
+          <a:p>
+            <a:r>
+              <a:rPr lang="ko-KR" altLang="en-US" dirty="0" smtClean="0"/>
+              <a:t>변수에 따른 </a:t>
+            </a:r>
+            <a:r>
+              <a:rPr lang="ko-KR" altLang="en-US" dirty="0" err="1" smtClean="0"/>
+              <a:t>가설설정</a:t>
+            </a:r>
+            <a:endParaRPr lang="ko-KR" altLang="en-US" dirty="0"/>
+          </a:p>
+        </p:txBody>
+      </p:sp>
+    </p:spTree>
+    <p:extLst>
+      <p:ext uri="{BB962C8B-B14F-4D97-AF65-F5344CB8AC3E}">
+        <p14:creationId xmlns:p14="http://schemas.microsoft.com/office/powerpoint/2010/main" val="1256993076"/>
       </p:ext>
     </p:extLst>
   </p:cSld>
